--- a/Documents/PowerPoint/Visual Demo.pptx
+++ b/Documents/PowerPoint/Visual Demo.pptx
@@ -310,8 +310,8 @@
             </a:solidFill>
             <a:prstDash val="solid"/>
             <a:round/>
-            <a:headEnd len="med" w="med" type="none"/>
-            <a:tailEnd len="med" w="med" type="none"/>
+            <a:headEnd len="sm" w="sm" type="none"/>
+            <a:tailEnd len="sm" w="sm" type="none"/>
           </a:ln>
         </p:spPr>
       </p:sp>
@@ -2068,65 +2068,38 @@
           </a:bodyPr>
           <a:lstStyle>
             <a:lvl1pPr lvl="0">
-              <a:spcBef>
-                <a:spcPts val="0"/>
-              </a:spcBef>
               <a:buNone/>
               <a:defRPr/>
             </a:lvl1pPr>
             <a:lvl2pPr lvl="1">
-              <a:spcBef>
-                <a:spcPts val="0"/>
-              </a:spcBef>
               <a:buNone/>
               <a:defRPr/>
             </a:lvl2pPr>
             <a:lvl3pPr lvl="2">
-              <a:spcBef>
-                <a:spcPts val="0"/>
-              </a:spcBef>
               <a:buNone/>
               <a:defRPr/>
             </a:lvl3pPr>
             <a:lvl4pPr lvl="3">
-              <a:spcBef>
-                <a:spcPts val="0"/>
-              </a:spcBef>
               <a:buNone/>
               <a:defRPr/>
             </a:lvl4pPr>
             <a:lvl5pPr lvl="4">
-              <a:spcBef>
-                <a:spcPts val="0"/>
-              </a:spcBef>
               <a:buNone/>
               <a:defRPr/>
             </a:lvl5pPr>
             <a:lvl6pPr lvl="5">
-              <a:spcBef>
-                <a:spcPts val="0"/>
-              </a:spcBef>
               <a:buNone/>
               <a:defRPr/>
             </a:lvl6pPr>
             <a:lvl7pPr lvl="6">
-              <a:spcBef>
-                <a:spcPts val="0"/>
-              </a:spcBef>
               <a:buNone/>
               <a:defRPr/>
             </a:lvl7pPr>
             <a:lvl8pPr lvl="7">
-              <a:spcBef>
-                <a:spcPts val="0"/>
-              </a:spcBef>
               <a:buNone/>
               <a:defRPr/>
             </a:lvl8pPr>
             <a:lvl9pPr lvl="8">
-              <a:spcBef>
-                <a:spcPts val="0"/>
-              </a:spcBef>
               <a:buNone/>
               <a:defRPr/>
             </a:lvl9pPr>
@@ -2179,7 +2152,7 @@
           <p:cNvPr id="45" name="Shape 45"/>
           <p:cNvSpPr txBox="1"/>
           <p:nvPr>
-            <p:ph type="title"/>
+            <p:ph hasCustomPrompt="1" type="title"/>
           </p:nvPr>
         </p:nvSpPr>
         <p:spPr>
@@ -2294,7 +2267,11 @@
               <a:defRPr sz="12000"/>
             </a:lvl9pPr>
           </a:lstStyle>
-          <a:p/>
+          <a:p>
+            <a:r>
+              <a:t>xx%</a:t>
+            </a:r>
+          </a:p>
         </p:txBody>
       </p:sp>
       <p:sp>
@@ -2443,65 +2420,38 @@
           </a:bodyPr>
           <a:lstStyle>
             <a:lvl1pPr lvl="0">
-              <a:spcBef>
-                <a:spcPts val="0"/>
-              </a:spcBef>
               <a:buNone/>
               <a:defRPr/>
             </a:lvl1pPr>
             <a:lvl2pPr lvl="1">
-              <a:spcBef>
-                <a:spcPts val="0"/>
-              </a:spcBef>
               <a:buNone/>
               <a:defRPr/>
             </a:lvl2pPr>
             <a:lvl3pPr lvl="2">
-              <a:spcBef>
-                <a:spcPts val="0"/>
-              </a:spcBef>
               <a:buNone/>
               <a:defRPr/>
             </a:lvl3pPr>
             <a:lvl4pPr lvl="3">
-              <a:spcBef>
-                <a:spcPts val="0"/>
-              </a:spcBef>
               <a:buNone/>
               <a:defRPr/>
             </a:lvl4pPr>
             <a:lvl5pPr lvl="4">
-              <a:spcBef>
-                <a:spcPts val="0"/>
-              </a:spcBef>
               <a:buNone/>
               <a:defRPr/>
             </a:lvl5pPr>
             <a:lvl6pPr lvl="5">
-              <a:spcBef>
-                <a:spcPts val="0"/>
-              </a:spcBef>
               <a:buNone/>
               <a:defRPr/>
             </a:lvl6pPr>
             <a:lvl7pPr lvl="6">
-              <a:spcBef>
-                <a:spcPts val="0"/>
-              </a:spcBef>
               <a:buNone/>
               <a:defRPr/>
             </a:lvl7pPr>
             <a:lvl8pPr lvl="7">
-              <a:spcBef>
-                <a:spcPts val="0"/>
-              </a:spcBef>
               <a:buNone/>
               <a:defRPr/>
             </a:lvl8pPr>
             <a:lvl9pPr lvl="8">
-              <a:spcBef>
-                <a:spcPts val="0"/>
-              </a:spcBef>
               <a:buNone/>
               <a:defRPr/>
             </a:lvl9pPr>
@@ -2572,65 +2522,38 @@
           </a:bodyPr>
           <a:lstStyle>
             <a:lvl1pPr lvl="0">
-              <a:spcBef>
-                <a:spcPts val="0"/>
-              </a:spcBef>
               <a:buNone/>
               <a:defRPr/>
             </a:lvl1pPr>
             <a:lvl2pPr lvl="1">
-              <a:spcBef>
-                <a:spcPts val="0"/>
-              </a:spcBef>
               <a:buNone/>
               <a:defRPr/>
             </a:lvl2pPr>
             <a:lvl3pPr lvl="2">
-              <a:spcBef>
-                <a:spcPts val="0"/>
-              </a:spcBef>
               <a:buNone/>
               <a:defRPr/>
             </a:lvl3pPr>
             <a:lvl4pPr lvl="3">
-              <a:spcBef>
-                <a:spcPts val="0"/>
-              </a:spcBef>
               <a:buNone/>
               <a:defRPr/>
             </a:lvl4pPr>
             <a:lvl5pPr lvl="4">
-              <a:spcBef>
-                <a:spcPts val="0"/>
-              </a:spcBef>
               <a:buNone/>
               <a:defRPr/>
             </a:lvl5pPr>
             <a:lvl6pPr lvl="5">
-              <a:spcBef>
-                <a:spcPts val="0"/>
-              </a:spcBef>
               <a:buNone/>
               <a:defRPr/>
             </a:lvl6pPr>
             <a:lvl7pPr lvl="6">
-              <a:spcBef>
-                <a:spcPts val="0"/>
-              </a:spcBef>
               <a:buNone/>
               <a:defRPr/>
             </a:lvl7pPr>
             <a:lvl8pPr lvl="7">
-              <a:spcBef>
-                <a:spcPts val="0"/>
-              </a:spcBef>
               <a:buNone/>
               <a:defRPr/>
             </a:lvl8pPr>
             <a:lvl9pPr lvl="8">
-              <a:spcBef>
-                <a:spcPts val="0"/>
-              </a:spcBef>
               <a:buNone/>
               <a:defRPr/>
             </a:lvl9pPr>
@@ -2824,65 +2747,38 @@
           </a:bodyPr>
           <a:lstStyle>
             <a:lvl1pPr lvl="0">
-              <a:spcBef>
-                <a:spcPts val="0"/>
-              </a:spcBef>
               <a:buNone/>
               <a:defRPr/>
             </a:lvl1pPr>
             <a:lvl2pPr lvl="1">
-              <a:spcBef>
-                <a:spcPts val="0"/>
-              </a:spcBef>
               <a:buNone/>
               <a:defRPr/>
             </a:lvl2pPr>
             <a:lvl3pPr lvl="2">
-              <a:spcBef>
-                <a:spcPts val="0"/>
-              </a:spcBef>
               <a:buNone/>
               <a:defRPr/>
             </a:lvl3pPr>
             <a:lvl4pPr lvl="3">
-              <a:spcBef>
-                <a:spcPts val="0"/>
-              </a:spcBef>
               <a:buNone/>
               <a:defRPr/>
             </a:lvl4pPr>
             <a:lvl5pPr lvl="4">
-              <a:spcBef>
-                <a:spcPts val="0"/>
-              </a:spcBef>
               <a:buNone/>
               <a:defRPr/>
             </a:lvl5pPr>
             <a:lvl6pPr lvl="5">
-              <a:spcBef>
-                <a:spcPts val="0"/>
-              </a:spcBef>
               <a:buNone/>
               <a:defRPr/>
             </a:lvl6pPr>
             <a:lvl7pPr lvl="6">
-              <a:spcBef>
-                <a:spcPts val="0"/>
-              </a:spcBef>
               <a:buNone/>
               <a:defRPr/>
             </a:lvl7pPr>
             <a:lvl8pPr lvl="7">
-              <a:spcBef>
-                <a:spcPts val="0"/>
-              </a:spcBef>
               <a:buNone/>
               <a:defRPr/>
             </a:lvl8pPr>
             <a:lvl9pPr lvl="8">
-              <a:spcBef>
-                <a:spcPts val="0"/>
-              </a:spcBef>
               <a:buNone/>
               <a:defRPr/>
             </a:lvl9pPr>
@@ -3199,65 +3095,38 @@
           </a:bodyPr>
           <a:lstStyle>
             <a:lvl1pPr lvl="0">
-              <a:spcBef>
-                <a:spcPts val="0"/>
-              </a:spcBef>
               <a:buNone/>
               <a:defRPr/>
             </a:lvl1pPr>
             <a:lvl2pPr lvl="1">
-              <a:spcBef>
-                <a:spcPts val="0"/>
-              </a:spcBef>
               <a:buNone/>
               <a:defRPr/>
             </a:lvl2pPr>
             <a:lvl3pPr lvl="2">
-              <a:spcBef>
-                <a:spcPts val="0"/>
-              </a:spcBef>
               <a:buNone/>
               <a:defRPr/>
             </a:lvl3pPr>
             <a:lvl4pPr lvl="3">
-              <a:spcBef>
-                <a:spcPts val="0"/>
-              </a:spcBef>
               <a:buNone/>
               <a:defRPr/>
             </a:lvl4pPr>
             <a:lvl5pPr lvl="4">
-              <a:spcBef>
-                <a:spcPts val="0"/>
-              </a:spcBef>
               <a:buNone/>
               <a:defRPr/>
             </a:lvl5pPr>
             <a:lvl6pPr lvl="5">
-              <a:spcBef>
-                <a:spcPts val="0"/>
-              </a:spcBef>
               <a:buNone/>
               <a:defRPr/>
             </a:lvl6pPr>
             <a:lvl7pPr lvl="6">
-              <a:spcBef>
-                <a:spcPts val="0"/>
-              </a:spcBef>
               <a:buNone/>
               <a:defRPr/>
             </a:lvl7pPr>
             <a:lvl8pPr lvl="7">
-              <a:spcBef>
-                <a:spcPts val="0"/>
-              </a:spcBef>
               <a:buNone/>
               <a:defRPr/>
             </a:lvl8pPr>
             <a:lvl9pPr lvl="8">
-              <a:spcBef>
-                <a:spcPts val="0"/>
-              </a:spcBef>
               <a:buNone/>
               <a:defRPr/>
             </a:lvl9pPr>
@@ -3697,65 +3566,38 @@
           </a:bodyPr>
           <a:lstStyle>
             <a:lvl1pPr lvl="0">
-              <a:spcBef>
-                <a:spcPts val="0"/>
-              </a:spcBef>
               <a:buNone/>
               <a:defRPr/>
             </a:lvl1pPr>
             <a:lvl2pPr lvl="1">
-              <a:spcBef>
-                <a:spcPts val="0"/>
-              </a:spcBef>
               <a:buNone/>
               <a:defRPr/>
             </a:lvl2pPr>
             <a:lvl3pPr lvl="2">
-              <a:spcBef>
-                <a:spcPts val="0"/>
-              </a:spcBef>
               <a:buNone/>
               <a:defRPr/>
             </a:lvl3pPr>
             <a:lvl4pPr lvl="3">
-              <a:spcBef>
-                <a:spcPts val="0"/>
-              </a:spcBef>
               <a:buNone/>
               <a:defRPr/>
             </a:lvl4pPr>
             <a:lvl5pPr lvl="4">
-              <a:spcBef>
-                <a:spcPts val="0"/>
-              </a:spcBef>
               <a:buNone/>
               <a:defRPr/>
             </a:lvl5pPr>
             <a:lvl6pPr lvl="5">
-              <a:spcBef>
-                <a:spcPts val="0"/>
-              </a:spcBef>
               <a:buNone/>
               <a:defRPr/>
             </a:lvl6pPr>
             <a:lvl7pPr lvl="6">
-              <a:spcBef>
-                <a:spcPts val="0"/>
-              </a:spcBef>
               <a:buNone/>
               <a:defRPr/>
             </a:lvl7pPr>
             <a:lvl8pPr lvl="7">
-              <a:spcBef>
-                <a:spcPts val="0"/>
-              </a:spcBef>
               <a:buNone/>
               <a:defRPr/>
             </a:lvl8pPr>
             <a:lvl9pPr lvl="8">
-              <a:spcBef>
-                <a:spcPts val="0"/>
-              </a:spcBef>
               <a:buNone/>
               <a:defRPr/>
             </a:lvl9pPr>
@@ -3949,65 +3791,38 @@
           </a:bodyPr>
           <a:lstStyle>
             <a:lvl1pPr lvl="0">
-              <a:spcBef>
-                <a:spcPts val="0"/>
-              </a:spcBef>
               <a:buNone/>
               <a:defRPr/>
             </a:lvl1pPr>
             <a:lvl2pPr lvl="1">
-              <a:spcBef>
-                <a:spcPts val="0"/>
-              </a:spcBef>
               <a:buNone/>
               <a:defRPr/>
             </a:lvl2pPr>
             <a:lvl3pPr lvl="2">
-              <a:spcBef>
-                <a:spcPts val="0"/>
-              </a:spcBef>
               <a:buNone/>
               <a:defRPr/>
             </a:lvl3pPr>
             <a:lvl4pPr lvl="3">
-              <a:spcBef>
-                <a:spcPts val="0"/>
-              </a:spcBef>
               <a:buNone/>
               <a:defRPr/>
             </a:lvl4pPr>
             <a:lvl5pPr lvl="4">
-              <a:spcBef>
-                <a:spcPts val="0"/>
-              </a:spcBef>
               <a:buNone/>
               <a:defRPr/>
             </a:lvl5pPr>
             <a:lvl6pPr lvl="5">
-              <a:spcBef>
-                <a:spcPts val="0"/>
-              </a:spcBef>
               <a:buNone/>
               <a:defRPr/>
             </a:lvl6pPr>
             <a:lvl7pPr lvl="6">
-              <a:spcBef>
-                <a:spcPts val="0"/>
-              </a:spcBef>
               <a:buNone/>
               <a:defRPr/>
             </a:lvl7pPr>
             <a:lvl8pPr lvl="7">
-              <a:spcBef>
-                <a:spcPts val="0"/>
-              </a:spcBef>
               <a:buNone/>
               <a:defRPr/>
             </a:lvl8pPr>
             <a:lvl9pPr lvl="8">
-              <a:spcBef>
-                <a:spcPts val="0"/>
-              </a:spcBef>
               <a:buNone/>
               <a:defRPr/>
             </a:lvl9pPr>
@@ -4324,65 +4139,38 @@
           </a:bodyPr>
           <a:lstStyle>
             <a:lvl1pPr lvl="0">
-              <a:spcBef>
-                <a:spcPts val="0"/>
-              </a:spcBef>
               <a:buNone/>
               <a:defRPr/>
             </a:lvl1pPr>
             <a:lvl2pPr lvl="1">
-              <a:spcBef>
-                <a:spcPts val="0"/>
-              </a:spcBef>
               <a:buNone/>
               <a:defRPr/>
             </a:lvl2pPr>
             <a:lvl3pPr lvl="2">
-              <a:spcBef>
-                <a:spcPts val="0"/>
-              </a:spcBef>
               <a:buNone/>
               <a:defRPr/>
             </a:lvl3pPr>
             <a:lvl4pPr lvl="3">
-              <a:spcBef>
-                <a:spcPts val="0"/>
-              </a:spcBef>
               <a:buNone/>
               <a:defRPr/>
             </a:lvl4pPr>
             <a:lvl5pPr lvl="4">
-              <a:spcBef>
-                <a:spcPts val="0"/>
-              </a:spcBef>
               <a:buNone/>
               <a:defRPr/>
             </a:lvl5pPr>
             <a:lvl6pPr lvl="5">
-              <a:spcBef>
-                <a:spcPts val="0"/>
-              </a:spcBef>
               <a:buNone/>
               <a:defRPr/>
             </a:lvl6pPr>
             <a:lvl7pPr lvl="6">
-              <a:spcBef>
-                <a:spcPts val="0"/>
-              </a:spcBef>
               <a:buNone/>
               <a:defRPr/>
             </a:lvl7pPr>
             <a:lvl8pPr lvl="7">
-              <a:spcBef>
-                <a:spcPts val="0"/>
-              </a:spcBef>
               <a:buNone/>
               <a:defRPr/>
             </a:lvl8pPr>
             <a:lvl9pPr lvl="8">
-              <a:spcBef>
-                <a:spcPts val="0"/>
-              </a:spcBef>
               <a:buNone/>
               <a:defRPr/>
             </a:lvl9pPr>
@@ -4576,65 +4364,38 @@
           </a:bodyPr>
           <a:lstStyle>
             <a:lvl1pPr lvl="0">
-              <a:spcBef>
-                <a:spcPts val="0"/>
-              </a:spcBef>
               <a:buNone/>
               <a:defRPr/>
             </a:lvl1pPr>
             <a:lvl2pPr lvl="1">
-              <a:spcBef>
-                <a:spcPts val="0"/>
-              </a:spcBef>
               <a:buNone/>
               <a:defRPr/>
             </a:lvl2pPr>
             <a:lvl3pPr lvl="2">
-              <a:spcBef>
-                <a:spcPts val="0"/>
-              </a:spcBef>
               <a:buNone/>
               <a:defRPr/>
             </a:lvl3pPr>
             <a:lvl4pPr lvl="3">
-              <a:spcBef>
-                <a:spcPts val="0"/>
-              </a:spcBef>
               <a:buNone/>
               <a:defRPr/>
             </a:lvl4pPr>
             <a:lvl5pPr lvl="4">
-              <a:spcBef>
-                <a:spcPts val="0"/>
-              </a:spcBef>
               <a:buNone/>
               <a:defRPr/>
             </a:lvl5pPr>
             <a:lvl6pPr lvl="5">
-              <a:spcBef>
-                <a:spcPts val="0"/>
-              </a:spcBef>
               <a:buNone/>
               <a:defRPr/>
             </a:lvl6pPr>
             <a:lvl7pPr lvl="6">
-              <a:spcBef>
-                <a:spcPts val="0"/>
-              </a:spcBef>
               <a:buNone/>
               <a:defRPr/>
             </a:lvl7pPr>
             <a:lvl8pPr lvl="7">
-              <a:spcBef>
-                <a:spcPts val="0"/>
-              </a:spcBef>
               <a:buNone/>
               <a:defRPr/>
             </a:lvl8pPr>
             <a:lvl9pPr lvl="8">
-              <a:spcBef>
-                <a:spcPts val="0"/>
-              </a:spcBef>
               <a:buNone/>
               <a:defRPr/>
             </a:lvl9pPr>
@@ -5144,65 +4905,38 @@
           </a:bodyPr>
           <a:lstStyle>
             <a:lvl1pPr lvl="0">
-              <a:spcBef>
-                <a:spcPts val="0"/>
-              </a:spcBef>
               <a:buNone/>
               <a:defRPr/>
             </a:lvl1pPr>
             <a:lvl2pPr lvl="1">
-              <a:spcBef>
-                <a:spcPts val="0"/>
-              </a:spcBef>
               <a:buNone/>
               <a:defRPr/>
             </a:lvl2pPr>
             <a:lvl3pPr lvl="2">
-              <a:spcBef>
-                <a:spcPts val="0"/>
-              </a:spcBef>
               <a:buNone/>
               <a:defRPr/>
             </a:lvl3pPr>
             <a:lvl4pPr lvl="3">
-              <a:spcBef>
-                <a:spcPts val="0"/>
-              </a:spcBef>
               <a:buNone/>
               <a:defRPr/>
             </a:lvl4pPr>
             <a:lvl5pPr lvl="4">
-              <a:spcBef>
-                <a:spcPts val="0"/>
-              </a:spcBef>
               <a:buNone/>
               <a:defRPr/>
             </a:lvl5pPr>
             <a:lvl6pPr lvl="5">
-              <a:spcBef>
-                <a:spcPts val="0"/>
-              </a:spcBef>
               <a:buNone/>
               <a:defRPr/>
             </a:lvl6pPr>
             <a:lvl7pPr lvl="6">
-              <a:spcBef>
-                <a:spcPts val="0"/>
-              </a:spcBef>
               <a:buNone/>
               <a:defRPr/>
             </a:lvl7pPr>
             <a:lvl8pPr lvl="7">
-              <a:spcBef>
-                <a:spcPts val="0"/>
-              </a:spcBef>
               <a:buNone/>
               <a:defRPr/>
             </a:lvl8pPr>
             <a:lvl9pPr lvl="8">
-              <a:spcBef>
-                <a:spcPts val="0"/>
-              </a:spcBef>
               <a:buNone/>
               <a:defRPr/>
             </a:lvl9pPr>
@@ -5311,65 +5045,38 @@
           </a:bodyPr>
           <a:lstStyle>
             <a:lvl1pPr lvl="0">
-              <a:spcBef>
-                <a:spcPts val="0"/>
-              </a:spcBef>
               <a:buNone/>
               <a:defRPr/>
             </a:lvl1pPr>
             <a:lvl2pPr lvl="1">
-              <a:spcBef>
-                <a:spcPts val="0"/>
-              </a:spcBef>
               <a:buNone/>
               <a:defRPr/>
             </a:lvl2pPr>
             <a:lvl3pPr lvl="2">
-              <a:spcBef>
-                <a:spcPts val="0"/>
-              </a:spcBef>
               <a:buNone/>
               <a:defRPr/>
             </a:lvl3pPr>
             <a:lvl4pPr lvl="3">
-              <a:spcBef>
-                <a:spcPts val="0"/>
-              </a:spcBef>
               <a:buNone/>
               <a:defRPr/>
             </a:lvl4pPr>
             <a:lvl5pPr lvl="4">
-              <a:spcBef>
-                <a:spcPts val="0"/>
-              </a:spcBef>
               <a:buNone/>
               <a:defRPr/>
             </a:lvl5pPr>
             <a:lvl6pPr lvl="5">
-              <a:spcBef>
-                <a:spcPts val="0"/>
-              </a:spcBef>
               <a:buNone/>
               <a:defRPr/>
             </a:lvl6pPr>
             <a:lvl7pPr lvl="6">
-              <a:spcBef>
-                <a:spcPts val="0"/>
-              </a:spcBef>
               <a:buNone/>
               <a:defRPr/>
             </a:lvl7pPr>
             <a:lvl8pPr lvl="7">
-              <a:spcBef>
-                <a:spcPts val="0"/>
-              </a:spcBef>
               <a:buNone/>
               <a:defRPr/>
             </a:lvl8pPr>
             <a:lvl9pPr lvl="8">
-              <a:spcBef>
-                <a:spcPts val="0"/>
-              </a:spcBef>
               <a:buNone/>
               <a:defRPr/>
             </a:lvl9pPr>
@@ -5858,9 +5565,6 @@
           </a:bodyPr>
           <a:lstStyle>
             <a:lvl1pPr lvl="0" algn="r">
-              <a:spcBef>
-                <a:spcPts val="0"/>
-              </a:spcBef>
               <a:buNone/>
               <a:defRPr sz="1000">
                 <a:solidFill>
@@ -5869,9 +5573,6 @@
               </a:defRPr>
             </a:lvl1pPr>
             <a:lvl2pPr lvl="1" algn="r">
-              <a:spcBef>
-                <a:spcPts val="0"/>
-              </a:spcBef>
               <a:buNone/>
               <a:defRPr sz="1000">
                 <a:solidFill>
@@ -5880,9 +5581,6 @@
               </a:defRPr>
             </a:lvl2pPr>
             <a:lvl3pPr lvl="2" algn="r">
-              <a:spcBef>
-                <a:spcPts val="0"/>
-              </a:spcBef>
               <a:buNone/>
               <a:defRPr sz="1000">
                 <a:solidFill>
@@ -5891,9 +5589,6 @@
               </a:defRPr>
             </a:lvl3pPr>
             <a:lvl4pPr lvl="3" algn="r">
-              <a:spcBef>
-                <a:spcPts val="0"/>
-              </a:spcBef>
               <a:buNone/>
               <a:defRPr sz="1000">
                 <a:solidFill>
@@ -5902,9 +5597,6 @@
               </a:defRPr>
             </a:lvl4pPr>
             <a:lvl5pPr lvl="4" algn="r">
-              <a:spcBef>
-                <a:spcPts val="0"/>
-              </a:spcBef>
               <a:buNone/>
               <a:defRPr sz="1000">
                 <a:solidFill>
@@ -5913,9 +5605,6 @@
               </a:defRPr>
             </a:lvl5pPr>
             <a:lvl6pPr lvl="5" algn="r">
-              <a:spcBef>
-                <a:spcPts val="0"/>
-              </a:spcBef>
               <a:buNone/>
               <a:defRPr sz="1000">
                 <a:solidFill>
@@ -5924,9 +5613,6 @@
               </a:defRPr>
             </a:lvl6pPr>
             <a:lvl7pPr lvl="6" algn="r">
-              <a:spcBef>
-                <a:spcPts val="0"/>
-              </a:spcBef>
               <a:buNone/>
               <a:defRPr sz="1000">
                 <a:solidFill>
@@ -5935,9 +5621,6 @@
               </a:defRPr>
             </a:lvl7pPr>
             <a:lvl8pPr lvl="7" algn="r">
-              <a:spcBef>
-                <a:spcPts val="0"/>
-              </a:spcBef>
               <a:buNone/>
               <a:defRPr sz="1000">
                 <a:solidFill>
@@ -5946,9 +5629,6 @@
               </a:defRPr>
             </a:lvl8pPr>
             <a:lvl9pPr lvl="8" algn="r">
-              <a:spcBef>
-                <a:spcPts val="0"/>
-              </a:spcBef>
               <a:buNone/>
               <a:defRPr sz="1000">
                 <a:solidFill>
@@ -6752,8 +6432,8 @@
             </a:solidFill>
             <a:prstDash val="solid"/>
             <a:round/>
-            <a:headEnd len="med" w="med" type="none"/>
-            <a:tailEnd len="med" w="med" type="none"/>
+            <a:headEnd len="sm" w="sm" type="none"/>
+            <a:tailEnd len="sm" w="sm" type="none"/>
           </a:ln>
         </p:spPr>
         <p:txBody>
@@ -6801,8 +6481,8 @@
             </a:solidFill>
             <a:prstDash val="solid"/>
             <a:round/>
-            <a:headEnd len="med" w="med" type="none"/>
-            <a:tailEnd len="med" w="med" type="none"/>
+            <a:headEnd len="sm" w="sm" type="none"/>
+            <a:tailEnd len="sm" w="sm" type="none"/>
           </a:ln>
         </p:spPr>
         <p:txBody>
@@ -6850,8 +6530,8 @@
             </a:solidFill>
             <a:prstDash val="solid"/>
             <a:round/>
-            <a:headEnd len="med" w="med" type="none"/>
-            <a:tailEnd len="med" w="med" type="none"/>
+            <a:headEnd len="sm" w="sm" type="none"/>
+            <a:tailEnd len="sm" w="sm" type="none"/>
           </a:ln>
         </p:spPr>
         <p:txBody>
@@ -6899,8 +6579,8 @@
             </a:solidFill>
             <a:prstDash val="solid"/>
             <a:round/>
-            <a:headEnd len="med" w="med" type="none"/>
-            <a:tailEnd len="med" w="med" type="none"/>
+            <a:headEnd len="sm" w="sm" type="none"/>
+            <a:tailEnd len="sm" w="sm" type="none"/>
           </a:ln>
         </p:spPr>
         <p:txBody>
@@ -6948,8 +6628,8 @@
             </a:solidFill>
             <a:prstDash val="solid"/>
             <a:round/>
-            <a:headEnd len="med" w="med" type="none"/>
-            <a:tailEnd len="med" w="med" type="none"/>
+            <a:headEnd len="sm" w="sm" type="none"/>
+            <a:tailEnd len="sm" w="sm" type="none"/>
           </a:ln>
         </p:spPr>
         <p:txBody>
@@ -7078,8 +6758,8 @@
             </a:solidFill>
             <a:prstDash val="solid"/>
             <a:round/>
-            <a:headEnd len="med" w="med" type="none"/>
-            <a:tailEnd len="med" w="med" type="none"/>
+            <a:headEnd len="sm" w="sm" type="none"/>
+            <a:tailEnd len="sm" w="sm" type="none"/>
           </a:ln>
         </p:spPr>
         <p:txBody>
@@ -7127,8 +6807,8 @@
             </a:solidFill>
             <a:prstDash val="solid"/>
             <a:round/>
-            <a:headEnd len="med" w="med" type="none"/>
-            <a:tailEnd len="med" w="med" type="none"/>
+            <a:headEnd len="sm" w="sm" type="none"/>
+            <a:tailEnd len="sm" w="sm" type="none"/>
           </a:ln>
         </p:spPr>
         <p:txBody>
@@ -7176,8 +6856,8 @@
             </a:solidFill>
             <a:prstDash val="solid"/>
             <a:round/>
-            <a:headEnd len="med" w="med" type="none"/>
-            <a:tailEnd len="med" w="med" type="none"/>
+            <a:headEnd len="sm" w="sm" type="none"/>
+            <a:tailEnd len="sm" w="sm" type="none"/>
           </a:ln>
         </p:spPr>
         <p:txBody>
@@ -7225,8 +6905,8 @@
             </a:solidFill>
             <a:prstDash val="solid"/>
             <a:round/>
-            <a:headEnd len="med" w="med" type="none"/>
-            <a:tailEnd len="med" w="med" type="none"/>
+            <a:headEnd len="sm" w="sm" type="none"/>
+            <a:tailEnd len="sm" w="sm" type="none"/>
           </a:ln>
         </p:spPr>
         <p:txBody>
@@ -7398,8 +7078,8 @@
             </a:solidFill>
             <a:prstDash val="solid"/>
             <a:round/>
-            <a:headEnd len="med" w="med" type="none"/>
-            <a:tailEnd len="med" w="med" type="none"/>
+            <a:headEnd len="sm" w="sm" type="none"/>
+            <a:tailEnd len="sm" w="sm" type="none"/>
           </a:ln>
         </p:spPr>
         <p:txBody>
@@ -7447,8 +7127,8 @@
             </a:solidFill>
             <a:prstDash val="solid"/>
             <a:round/>
-            <a:headEnd len="med" w="med" type="none"/>
-            <a:tailEnd len="med" w="med" type="none"/>
+            <a:headEnd len="sm" w="sm" type="none"/>
+            <a:tailEnd len="sm" w="sm" type="none"/>
           </a:ln>
         </p:spPr>
         <p:txBody>
@@ -7496,8 +7176,8 @@
             </a:solidFill>
             <a:prstDash val="solid"/>
             <a:round/>
-            <a:headEnd len="med" w="med" type="none"/>
-            <a:tailEnd len="med" w="med" type="none"/>
+            <a:headEnd len="sm" w="sm" type="none"/>
+            <a:tailEnd len="sm" w="sm" type="none"/>
           </a:ln>
         </p:spPr>
         <p:txBody>
@@ -7545,8 +7225,8 @@
             </a:solidFill>
             <a:prstDash val="solid"/>
             <a:round/>
-            <a:headEnd len="med" w="med" type="none"/>
-            <a:tailEnd len="med" w="med" type="none"/>
+            <a:headEnd len="sm" w="sm" type="none"/>
+            <a:tailEnd len="sm" w="sm" type="none"/>
           </a:ln>
         </p:spPr>
         <p:txBody>
@@ -7718,8 +7398,8 @@
             </a:solidFill>
             <a:prstDash val="solid"/>
             <a:round/>
-            <a:headEnd len="med" w="med" type="none"/>
-            <a:tailEnd len="med" w="med" type="none"/>
+            <a:headEnd len="sm" w="sm" type="none"/>
+            <a:tailEnd len="sm" w="sm" type="none"/>
           </a:ln>
         </p:spPr>
         <p:txBody>
@@ -7767,8 +7447,8 @@
             </a:solidFill>
             <a:prstDash val="solid"/>
             <a:round/>
-            <a:headEnd len="med" w="med" type="none"/>
-            <a:tailEnd len="med" w="med" type="none"/>
+            <a:headEnd len="sm" w="sm" type="none"/>
+            <a:tailEnd len="sm" w="sm" type="none"/>
           </a:ln>
         </p:spPr>
         <p:txBody>
@@ -7816,8 +7496,8 @@
             </a:solidFill>
             <a:prstDash val="solid"/>
             <a:round/>
-            <a:headEnd len="med" w="med" type="none"/>
-            <a:tailEnd len="med" w="med" type="none"/>
+            <a:headEnd len="sm" w="sm" type="none"/>
+            <a:tailEnd len="sm" w="sm" type="none"/>
           </a:ln>
         </p:spPr>
         <p:txBody>
@@ -7865,8 +7545,8 @@
             </a:solidFill>
             <a:prstDash val="solid"/>
             <a:round/>
-            <a:headEnd len="med" w="med" type="none"/>
-            <a:tailEnd len="med" w="med" type="none"/>
+            <a:headEnd len="sm" w="sm" type="none"/>
+            <a:tailEnd len="sm" w="sm" type="none"/>
           </a:ln>
         </p:spPr>
         <p:txBody>
@@ -7914,8 +7594,8 @@
             </a:solidFill>
             <a:prstDash val="solid"/>
             <a:round/>
-            <a:headEnd len="med" w="med" type="none"/>
-            <a:tailEnd len="med" w="med" type="none"/>
+            <a:headEnd len="sm" w="sm" type="none"/>
+            <a:tailEnd len="sm" w="sm" type="none"/>
           </a:ln>
         </p:spPr>
         <p:txBody>
@@ -8180,8 +7860,8 @@
             </a:solidFill>
             <a:prstDash val="solid"/>
             <a:round/>
-            <a:headEnd len="med" w="med" type="none"/>
-            <a:tailEnd len="med" w="med" type="none"/>
+            <a:headEnd len="sm" w="sm" type="none"/>
+            <a:tailEnd len="sm" w="sm" type="none"/>
           </a:ln>
         </p:spPr>
         <p:txBody>
@@ -8229,8 +7909,8 @@
             </a:solidFill>
             <a:prstDash val="solid"/>
             <a:round/>
-            <a:headEnd len="med" w="med" type="none"/>
-            <a:tailEnd len="med" w="med" type="none"/>
+            <a:headEnd len="sm" w="sm" type="none"/>
+            <a:tailEnd len="sm" w="sm" type="none"/>
           </a:ln>
         </p:spPr>
         <p:txBody>
@@ -8278,8 +7958,8 @@
             </a:solidFill>
             <a:prstDash val="solid"/>
             <a:round/>
-            <a:headEnd len="med" w="med" type="none"/>
-            <a:tailEnd len="med" w="med" type="none"/>
+            <a:headEnd len="sm" w="sm" type="none"/>
+            <a:tailEnd len="sm" w="sm" type="none"/>
           </a:ln>
         </p:spPr>
         <p:txBody>
@@ -8327,8 +8007,8 @@
             </a:solidFill>
             <a:prstDash val="solid"/>
             <a:round/>
-            <a:headEnd len="med" w="med" type="none"/>
-            <a:tailEnd len="med" w="med" type="none"/>
+            <a:headEnd len="sm" w="sm" type="none"/>
+            <a:tailEnd len="sm" w="sm" type="none"/>
           </a:ln>
         </p:spPr>
         <p:txBody>
@@ -8376,8 +8056,8 @@
             </a:solidFill>
             <a:prstDash val="solid"/>
             <a:round/>
-            <a:headEnd len="med" w="med" type="none"/>
-            <a:tailEnd len="med" w="med" type="none"/>
+            <a:headEnd len="sm" w="sm" type="none"/>
+            <a:tailEnd len="sm" w="sm" type="none"/>
           </a:ln>
         </p:spPr>
         <p:txBody>
@@ -8425,8 +8105,8 @@
             </a:solidFill>
             <a:prstDash val="solid"/>
             <a:round/>
-            <a:headEnd len="med" w="med" type="none"/>
-            <a:tailEnd len="med" w="med" type="none"/>
+            <a:headEnd len="sm" w="sm" type="none"/>
+            <a:tailEnd len="sm" w="sm" type="none"/>
           </a:ln>
         </p:spPr>
         <p:txBody>
@@ -8555,8 +8235,8 @@
             </a:solidFill>
             <a:prstDash val="solid"/>
             <a:round/>
-            <a:headEnd len="med" w="med" type="none"/>
-            <a:tailEnd len="med" w="med" type="none"/>
+            <a:headEnd len="sm" w="sm" type="none"/>
+            <a:tailEnd len="sm" w="sm" type="none"/>
           </a:ln>
         </p:spPr>
         <p:txBody>
@@ -8604,8 +8284,8 @@
             </a:solidFill>
             <a:prstDash val="solid"/>
             <a:round/>
-            <a:headEnd len="med" w="med" type="none"/>
-            <a:tailEnd len="med" w="med" type="none"/>
+            <a:headEnd len="sm" w="sm" type="none"/>
+            <a:tailEnd len="sm" w="sm" type="none"/>
           </a:ln>
         </p:spPr>
         <p:txBody>
@@ -8653,8 +8333,8 @@
             </a:solidFill>
             <a:prstDash val="solid"/>
             <a:round/>
-            <a:headEnd len="med" w="med" type="none"/>
-            <a:tailEnd len="med" w="med" type="none"/>
+            <a:headEnd len="sm" w="sm" type="none"/>
+            <a:tailEnd len="sm" w="sm" type="none"/>
           </a:ln>
         </p:spPr>
         <p:txBody>
@@ -8702,8 +8382,8 @@
             </a:solidFill>
             <a:prstDash val="solid"/>
             <a:round/>
-            <a:headEnd len="med" w="med" type="none"/>
-            <a:tailEnd len="med" w="med" type="none"/>
+            <a:headEnd len="sm" w="sm" type="none"/>
+            <a:tailEnd len="sm" w="sm" type="none"/>
           </a:ln>
         </p:spPr>
         <p:txBody>
@@ -8875,8 +8555,8 @@
             </a:solidFill>
             <a:prstDash val="solid"/>
             <a:round/>
-            <a:headEnd len="med" w="med" type="none"/>
-            <a:tailEnd len="med" w="med" type="none"/>
+            <a:headEnd len="sm" w="sm" type="none"/>
+            <a:tailEnd len="sm" w="sm" type="none"/>
           </a:ln>
         </p:spPr>
         <p:txBody>
@@ -8924,8 +8604,8 @@
             </a:solidFill>
             <a:prstDash val="solid"/>
             <a:round/>
-            <a:headEnd len="med" w="med" type="none"/>
-            <a:tailEnd len="med" w="med" type="none"/>
+            <a:headEnd len="sm" w="sm" type="none"/>
+            <a:tailEnd len="sm" w="sm" type="none"/>
           </a:ln>
         </p:spPr>
         <p:txBody>
@@ -8973,8 +8653,8 @@
             </a:solidFill>
             <a:prstDash val="solid"/>
             <a:round/>
-            <a:headEnd len="med" w="med" type="none"/>
-            <a:tailEnd len="med" w="med" type="none"/>
+            <a:headEnd len="sm" w="sm" type="none"/>
+            <a:tailEnd len="sm" w="sm" type="none"/>
           </a:ln>
         </p:spPr>
         <p:txBody>
@@ -9022,8 +8702,8 @@
             </a:solidFill>
             <a:prstDash val="solid"/>
             <a:round/>
-            <a:headEnd len="med" w="med" type="none"/>
-            <a:tailEnd len="med" w="med" type="none"/>
+            <a:headEnd len="sm" w="sm" type="none"/>
+            <a:tailEnd len="sm" w="sm" type="none"/>
           </a:ln>
         </p:spPr>
         <p:txBody>
@@ -9152,8 +8832,8 @@
             </a:solidFill>
             <a:prstDash val="solid"/>
             <a:round/>
-            <a:headEnd len="med" w="med" type="none"/>
-            <a:tailEnd len="med" w="med" type="none"/>
+            <a:headEnd len="sm" w="sm" type="none"/>
+            <a:tailEnd len="sm" w="sm" type="none"/>
           </a:ln>
         </p:spPr>
         <p:txBody>
@@ -9201,8 +8881,8 @@
             </a:solidFill>
             <a:prstDash val="solid"/>
             <a:round/>
-            <a:headEnd len="med" w="med" type="none"/>
-            <a:tailEnd len="med" w="med" type="none"/>
+            <a:headEnd len="sm" w="sm" type="none"/>
+            <a:tailEnd len="sm" w="sm" type="none"/>
           </a:ln>
         </p:spPr>
         <p:txBody>
@@ -9250,8 +8930,8 @@
             </a:solidFill>
             <a:prstDash val="solid"/>
             <a:round/>
-            <a:headEnd len="med" w="med" type="none"/>
-            <a:tailEnd len="med" w="med" type="none"/>
+            <a:headEnd len="sm" w="sm" type="none"/>
+            <a:tailEnd len="sm" w="sm" type="none"/>
           </a:ln>
         </p:spPr>
         <p:txBody>
@@ -9299,8 +8979,8 @@
             </a:solidFill>
             <a:prstDash val="solid"/>
             <a:round/>
-            <a:headEnd len="med" w="med" type="none"/>
-            <a:tailEnd len="med" w="med" type="none"/>
+            <a:headEnd len="sm" w="sm" type="none"/>
+            <a:tailEnd len="sm" w="sm" type="none"/>
           </a:ln>
         </p:spPr>
         <p:txBody>
@@ -9499,8 +9179,8 @@
             </a:solidFill>
             <a:prstDash val="solid"/>
             <a:round/>
-            <a:headEnd len="med" w="med" type="none"/>
-            <a:tailEnd len="med" w="med" type="none"/>
+            <a:headEnd len="sm" w="sm" type="none"/>
+            <a:tailEnd len="sm" w="sm" type="none"/>
           </a:ln>
         </p:spPr>
         <p:txBody>
@@ -9548,8 +9228,8 @@
             </a:solidFill>
             <a:prstDash val="solid"/>
             <a:round/>
-            <a:headEnd len="med" w="med" type="none"/>
-            <a:tailEnd len="med" w="med" type="none"/>
+            <a:headEnd len="sm" w="sm" type="none"/>
+            <a:tailEnd len="sm" w="sm" type="none"/>
           </a:ln>
         </p:spPr>
         <p:txBody>
@@ -9597,8 +9277,8 @@
             </a:solidFill>
             <a:prstDash val="solid"/>
             <a:round/>
-            <a:headEnd len="med" w="med" type="none"/>
-            <a:tailEnd len="med" w="med" type="none"/>
+            <a:headEnd len="sm" w="sm" type="none"/>
+            <a:tailEnd len="sm" w="sm" type="none"/>
           </a:ln>
         </p:spPr>
         <p:txBody>
@@ -9646,8 +9326,8 @@
             </a:solidFill>
             <a:prstDash val="solid"/>
             <a:round/>
-            <a:headEnd len="med" w="med" type="none"/>
-            <a:tailEnd len="med" w="med" type="none"/>
+            <a:headEnd len="sm" w="sm" type="none"/>
+            <a:tailEnd len="sm" w="sm" type="none"/>
           </a:ln>
         </p:spPr>
         <p:txBody>
@@ -9738,8 +9418,8 @@
             </a:solidFill>
             <a:prstDash val="solid"/>
             <a:round/>
-            <a:headEnd len="med" w="med" type="none"/>
-            <a:tailEnd len="med" w="med" type="none"/>
+            <a:headEnd len="sm" w="sm" type="none"/>
+            <a:tailEnd len="sm" w="sm" type="none"/>
           </a:ln>
         </p:spPr>
         <p:txBody>
@@ -9910,8 +9590,8 @@
             </a:solidFill>
             <a:prstDash val="solid"/>
             <a:round/>
-            <a:headEnd len="med" w="med" type="none"/>
-            <a:tailEnd len="med" w="med" type="none"/>
+            <a:headEnd len="sm" w="sm" type="none"/>
+            <a:tailEnd len="sm" w="sm" type="none"/>
           </a:ln>
         </p:spPr>
         <p:txBody>
@@ -9959,8 +9639,8 @@
             </a:solidFill>
             <a:prstDash val="solid"/>
             <a:round/>
-            <a:headEnd len="med" w="med" type="none"/>
-            <a:tailEnd len="med" w="med" type="none"/>
+            <a:headEnd len="sm" w="sm" type="none"/>
+            <a:tailEnd len="sm" w="sm" type="none"/>
           </a:ln>
         </p:spPr>
         <p:txBody>
@@ -10008,8 +9688,8 @@
             </a:solidFill>
             <a:prstDash val="solid"/>
             <a:round/>
-            <a:headEnd len="med" w="med" type="none"/>
-            <a:tailEnd len="med" w="med" type="none"/>
+            <a:headEnd len="sm" w="sm" type="none"/>
+            <a:tailEnd len="sm" w="sm" type="none"/>
           </a:ln>
         </p:spPr>
         <p:txBody>
@@ -10057,8 +9737,8 @@
             </a:solidFill>
             <a:prstDash val="solid"/>
             <a:round/>
-            <a:headEnd len="med" w="med" type="none"/>
-            <a:tailEnd len="med" w="med" type="none"/>
+            <a:headEnd len="sm" w="sm" type="none"/>
+            <a:tailEnd len="sm" w="sm" type="none"/>
           </a:ln>
         </p:spPr>
         <p:txBody>
@@ -10230,8 +9910,8 @@
             </a:solidFill>
             <a:prstDash val="solid"/>
             <a:round/>
-            <a:headEnd len="med" w="med" type="none"/>
-            <a:tailEnd len="med" w="med" type="none"/>
+            <a:headEnd len="sm" w="sm" type="none"/>
+            <a:tailEnd len="sm" w="sm" type="none"/>
           </a:ln>
         </p:spPr>
         <p:txBody>
@@ -10279,8 +9959,8 @@
             </a:solidFill>
             <a:prstDash val="solid"/>
             <a:round/>
-            <a:headEnd len="med" w="med" type="none"/>
-            <a:tailEnd len="med" w="med" type="none"/>
+            <a:headEnd len="sm" w="sm" type="none"/>
+            <a:tailEnd len="sm" w="sm" type="none"/>
           </a:ln>
         </p:spPr>
         <p:txBody>
@@ -10328,8 +10008,8 @@
             </a:solidFill>
             <a:prstDash val="solid"/>
             <a:round/>
-            <a:headEnd len="med" w="med" type="none"/>
-            <a:tailEnd len="med" w="med" type="none"/>
+            <a:headEnd len="sm" w="sm" type="none"/>
+            <a:tailEnd len="sm" w="sm" type="none"/>
           </a:ln>
         </p:spPr>
         <p:txBody>
@@ -10377,8 +10057,8 @@
             </a:solidFill>
             <a:prstDash val="solid"/>
             <a:round/>
-            <a:headEnd len="med" w="med" type="none"/>
-            <a:tailEnd len="med" w="med" type="none"/>
+            <a:headEnd len="sm" w="sm" type="none"/>
+            <a:tailEnd len="sm" w="sm" type="none"/>
           </a:ln>
         </p:spPr>
         <p:txBody>
@@ -10424,8 +10104,8 @@
             </a:solidFill>
             <a:prstDash val="solid"/>
             <a:round/>
-            <a:headEnd len="med" w="med" type="none"/>
-            <a:tailEnd len="med" w="med" type="none"/>
+            <a:headEnd len="sm" w="sm" type="none"/>
+            <a:tailEnd len="sm" w="sm" type="none"/>
           </a:ln>
         </p:spPr>
         <p:txBody>
@@ -10824,7 +10504,7 @@
 </file>
 
 <file path=ppt/theme/theme2.xml><?xml version="1.0" encoding="utf-8"?>
-<a:theme xmlns:a="http://schemas.openxmlformats.org/drawingml/2006/main" xmlns:r="http://schemas.openxmlformats.org/officeDocument/2006/relationships" name="Custom Theme">
+<a:theme xmlns:a="http://schemas.openxmlformats.org/drawingml/2006/main" xmlns:r="http://schemas.openxmlformats.org/officeDocument/2006/relationships">
   <a:themeElements>
     <a:clrScheme name="Default">
       <a:dk1>
